--- a/Lectures/6. ADO.NET Entity Framework/Language-Integrated-Query-LINQ.pptx
+++ b/Lectures/6. ADO.NET Entity Framework/Language-Integrated-Query-LINQ.pptx
@@ -325,7 +325,7 @@
             <a:fld id="{3BF7C7B5-275F-4D1F-9AB4-9255447DBC73}" type="datetimeFigureOut">
               <a:rPr lang="en-US"/>
               <a:pPr/>
-              <a:t>26-Jul-10</a:t>
+              <a:t>11/7/2011</a:t>
             </a:fld>
             <a:endParaRPr lang="en-US" dirty="0"/>
           </a:p>
@@ -556,7 +556,7 @@
             <a:fld id="{9B46F231-FB2B-4655-A644-E2477325E686}" type="datetimeFigureOut">
               <a:rPr lang="en-US"/>
               <a:pPr/>
-              <a:t>26-Jul-10</a:t>
+              <a:t>11/7/2011</a:t>
             </a:fld>
             <a:endParaRPr lang="en-US" dirty="0"/>
           </a:p>
@@ -36275,8 +36275,8 @@
           <a:lstStyle/>
           <a:p>
             <a:r>
-              <a:rPr lang="en-US" dirty="0"/>
-              <a:t>Exercises</a:t>
+              <a:rPr lang="en-US" dirty="0" smtClean="0"/>
+              <a:t>Homework</a:t>
             </a:r>
             <a:endParaRPr lang="bg-BG" dirty="0"/>
           </a:p>
@@ -36725,7 +36725,11 @@
           <a:p>
             <a:r>
               <a:rPr lang="en-US" dirty="0" smtClean="0"/>
-              <a:t>Exercises (2)</a:t>
+              <a:t>Homework </a:t>
+            </a:r>
+            <a:r>
+              <a:rPr lang="en-US" dirty="0" smtClean="0"/>
+              <a:t>(2)</a:t>
             </a:r>
             <a:endParaRPr lang="bg-BG" dirty="0"/>
           </a:p>
@@ -37104,8 +37108,12 @@
           <a:lstStyle/>
           <a:p>
             <a:r>
+              <a:rPr lang="en-US" smtClean="0"/>
+              <a:t>Homework </a:t>
+            </a:r>
+            <a:r>
               <a:rPr lang="en-US" dirty="0" smtClean="0"/>
-              <a:t>Exercises (3)</a:t>
+              <a:t>(3)</a:t>
             </a:r>
             <a:endParaRPr lang="en-US" dirty="0"/>
           </a:p>

--- a/Lectures/6. ADO.NET Entity Framework/Language-Integrated-Query-LINQ.pptx
+++ b/Lectures/6. ADO.NET Entity Framework/Language-Integrated-Query-LINQ.pptx
@@ -325,7 +325,7 @@
             <a:fld id="{3BF7C7B5-275F-4D1F-9AB4-9255447DBC73}" type="datetimeFigureOut">
               <a:rPr lang="en-US"/>
               <a:pPr/>
-              <a:t>11/7/2011</a:t>
+              <a:t>29-Dec-11</a:t>
             </a:fld>
             <a:endParaRPr lang="en-US" dirty="0"/>
           </a:p>
@@ -556,7 +556,7 @@
             <a:fld id="{9B46F231-FB2B-4655-A644-E2477325E686}" type="datetimeFigureOut">
               <a:rPr lang="en-US"/>
               <a:pPr/>
-              <a:t>11/7/2011</a:t>
+              <a:t>29-Dec-11</a:t>
             </a:fld>
             <a:endParaRPr lang="en-US" dirty="0"/>
           </a:p>
@@ -19001,7 +19001,7 @@
                 <a:latin typeface="Consolas" pitchFamily="49" charset="0"/>
                 <a:cs typeface="Consolas" pitchFamily="49" charset="0"/>
               </a:rPr>
-              <a:t>text</a:t>
+              <a:t>source</a:t>
             </a:r>
             <a:endParaRPr lang="bg-BG" sz="2000" b="1" noProof="1" smtClean="0">
               <a:solidFill>
@@ -19305,7 +19305,41 @@
                 <a:latin typeface="Consolas" pitchFamily="49" charset="0"/>
                 <a:cs typeface="Consolas" pitchFamily="49" charset="0"/>
               </a:rPr>
-              <a:t>int wordCount = text.Select(</a:t>
+              <a:t>int wordCount = </a:t>
+            </a:r>
+            <a:r>
+              <a:rPr lang="en-US" sz="2000" b="1" noProof="1" smtClean="0">
+                <a:solidFill>
+                  <a:srgbClr val="8CF4F2"/>
+                </a:solidFill>
+                <a:effectLst>
+                  <a:outerShdw blurRad="38100" dist="38100" dir="2700000" algn="tl">
+                    <a:srgbClr val="000000">
+                      <a:alpha val="43137"/>
+                    </a:srgbClr>
+                  </a:outerShdw>
+                </a:effectLst>
+                <a:latin typeface="Consolas" pitchFamily="49" charset="0"/>
+                <a:cs typeface="Consolas" pitchFamily="49" charset="0"/>
+              </a:rPr>
+              <a:t>source.Select</a:t>
+            </a:r>
+            <a:r>
+              <a:rPr lang="en-US" sz="2000" b="1" noProof="1" smtClean="0">
+                <a:solidFill>
+                  <a:srgbClr val="8CF4F2"/>
+                </a:solidFill>
+                <a:effectLst>
+                  <a:outerShdw blurRad="38100" dist="38100" dir="2700000" algn="tl">
+                    <a:srgbClr val="000000">
+                      <a:alpha val="43137"/>
+                    </a:srgbClr>
+                  </a:outerShdw>
+                </a:effectLst>
+                <a:latin typeface="Consolas" pitchFamily="49" charset="0"/>
+                <a:cs typeface="Consolas" pitchFamily="49" charset="0"/>
+              </a:rPr>
+              <a:t>(</a:t>
             </a:r>
           </a:p>
           <a:p>
@@ -36725,11 +36759,7 @@
           <a:p>
             <a:r>
               <a:rPr lang="en-US" dirty="0" smtClean="0"/>
-              <a:t>Homework </a:t>
-            </a:r>
-            <a:r>
-              <a:rPr lang="en-US" dirty="0" smtClean="0"/>
-              <a:t>(2)</a:t>
+              <a:t>Homework (2)</a:t>
             </a:r>
             <a:endParaRPr lang="bg-BG" dirty="0"/>
           </a:p>
